--- a/BIAM 16TH DHAKA.pptx
+++ b/BIAM 16TH DHAKA.pptx
@@ -4901,7 +4901,7 @@
         <p:spPr>
           <a:xfrm>
             <a:off x="609600" y="990600"/>
-            <a:ext cx="8305800" cy="3539430"/>
+            <a:ext cx="8305800" cy="5016758"/>
           </a:xfrm>
           <a:prstGeom prst="rect">
             <a:avLst/>
@@ -5168,11 +5168,7 @@
             </a:r>
             <a:r>
               <a:rPr lang="en-US" sz="3200" dirty="0" smtClean="0"/>
-              <a:t> </a:t>
-            </a:r>
-            <a:r>
-              <a:rPr lang="en-US" sz="3200" dirty="0" smtClean="0"/>
-              <a:t> </a:t>
+              <a:t>  </a:t>
             </a:r>
             <a:r>
               <a:rPr lang="en-US" sz="3200" dirty="0" err="1" smtClean="0"/>
@@ -5204,8 +5200,67 @@
             </a:r>
             <a:r>
               <a:rPr lang="en-US" sz="3200" dirty="0" smtClean="0"/>
+              <a:t>। </a:t>
+            </a:r>
+            <a:r>
+              <a:rPr lang="en-US" sz="3200" dirty="0" err="1" smtClean="0"/>
+              <a:t>এর</a:t>
+            </a:r>
+            <a:r>
+              <a:rPr lang="en-US" sz="3200" dirty="0" smtClean="0"/>
+              <a:t> </a:t>
+            </a:r>
+            <a:r>
+              <a:rPr lang="en-US" sz="3200" dirty="0" err="1" smtClean="0"/>
+              <a:t>পর</a:t>
+            </a:r>
+            <a:r>
+              <a:rPr lang="en-US" sz="3200" dirty="0" smtClean="0"/>
+              <a:t> </a:t>
+            </a:r>
+            <a:r>
+              <a:rPr lang="en-US" sz="3200" b="1" dirty="0" smtClean="0"/>
+              <a:t>Commit </a:t>
+            </a:r>
+            <a:r>
+              <a:rPr lang="en-US" sz="3200" b="1" dirty="0" smtClean="0"/>
+              <a:t>changes এ </a:t>
+            </a:r>
+            <a:r>
+              <a:rPr lang="en-US" sz="3200" b="1" dirty="0" err="1" smtClean="0"/>
+              <a:t>ক্লিক</a:t>
+            </a:r>
+            <a:r>
+              <a:rPr lang="en-US" sz="3200" b="1" dirty="0" smtClean="0"/>
+              <a:t> </a:t>
+            </a:r>
+            <a:r>
+              <a:rPr lang="en-US" sz="3200" b="1" dirty="0" err="1" smtClean="0"/>
+              <a:t>করলে</a:t>
+            </a:r>
+            <a:r>
+              <a:rPr lang="en-US" sz="3200" b="1" dirty="0" smtClean="0"/>
+              <a:t> File Save </a:t>
+            </a:r>
+            <a:r>
+              <a:rPr lang="en-US" sz="3200" b="1" dirty="0" err="1" smtClean="0"/>
+              <a:t>হয়ে</a:t>
+            </a:r>
+            <a:r>
+              <a:rPr lang="en-US" sz="3200" b="1" dirty="0" smtClean="0"/>
+              <a:t> </a:t>
+            </a:r>
+            <a:r>
+              <a:rPr lang="en-US" sz="3200" b="1" dirty="0" err="1" smtClean="0"/>
+              <a:t>যাবে</a:t>
+            </a:r>
+            <a:r>
+              <a:rPr lang="en-US" sz="3200" b="1" dirty="0" smtClean="0"/>
               <a:t>।</a:t>
             </a:r>
+            <a:endParaRPr lang="en-US" sz="3200" b="1" dirty="0" smtClean="0"/>
+          </a:p>
+          <a:p>
             <a:endParaRPr lang="en-US" sz="3200" dirty="0"/>
           </a:p>
         </p:txBody>
@@ -5240,7 +5295,7 @@
           <p:cNvPr id="3074" name="Picture 2" descr="Thank You Images, Stock Photos &amp;amp; Vectors | Shutterstock">
             <a:extLst>
               <a:ext uri="{FF2B5EF4-FFF2-40B4-BE49-F238E27FC236}">
-                <a16:creationId xmlns="" xmlns:a16="http://schemas.microsoft.com/office/drawing/2014/main" id="{EC96C7B1-C771-4816-B3B2-64250D301E41}"/>
+                <a16:creationId xmlns:a16="http://schemas.microsoft.com/office/drawing/2014/main" xmlns="" id="{EC96C7B1-C771-4816-B3B2-64250D301E41}"/>
               </a:ext>
             </a:extLst>
           </p:cNvPr>
@@ -5255,7 +5310,7 @@
           <a:blip r:embed="rId2" cstate="print">
             <a:extLst>
               <a:ext uri="{28A0092B-C50C-407E-A947-70E740481C1C}">
-                <a14:useLocalDpi xmlns="" xmlns:a14="http://schemas.microsoft.com/office/drawing/2010/main" val="0"/>
+                <a14:useLocalDpi xmlns:a14="http://schemas.microsoft.com/office/drawing/2010/main" xmlns="" val="0"/>
               </a:ext>
             </a:extLst>
           </a:blip>
@@ -5275,7 +5330,7 @@
           <a:noFill/>
           <a:extLst>
             <a:ext uri="{909E8E84-426E-40DD-AFC4-6F175D3DCCD1}">
-              <a14:hiddenFill xmlns="" xmlns:a14="http://schemas.microsoft.com/office/drawing/2010/main">
+              <a14:hiddenFill xmlns:a14="http://schemas.microsoft.com/office/drawing/2010/main" xmlns="">
                 <a:solidFill>
                   <a:srgbClr val="FFFFFF"/>
                 </a:solidFill>
@@ -5287,7 +5342,7 @@
     </p:spTree>
     <p:extLst>
       <p:ext uri="{BB962C8B-B14F-4D97-AF65-F5344CB8AC3E}">
-        <p14:creationId xmlns="" xmlns:p14="http://schemas.microsoft.com/office/powerpoint/2010/main" val="3457589108"/>
+        <p14:creationId xmlns:p14="http://schemas.microsoft.com/office/powerpoint/2010/main" xmlns="" val="3457589108"/>
       </p:ext>
     </p:extLst>
   </p:cSld>
